--- a/ppt 16-9/0484.牧人啊回来吧.pptx
+++ b/ppt 16-9/0484.牧人啊回来吧.pptx
@@ -5,7 +5,7 @@
     <p:sldMasterId id="2147483648" r:id="rId1"/>
   </p:sldMasterIdLst>
   <p:sldIdLst>
-    <p:sldId id="2993" r:id="rId2"/>
+    <p:sldId id="2994" r:id="rId2"/>
   </p:sldIdLst>
   <p:sldSz cx="12192000" cy="6858000"/>
   <p:notesSz cx="6858000" cy="9144000"/>
@@ -129,7 +129,7 @@
           <p:cNvPr id="2" name="标题 1">
             <a:extLst>
               <a:ext uri="{FF2B5EF4-FFF2-40B4-BE49-F238E27FC236}">
-                <a16:creationId xmlns:a16="http://schemas.microsoft.com/office/drawing/2014/main" id="{7FB9E29E-0EBC-0A3F-40BB-CD8708887951}"/>
+                <a16:creationId xmlns:a16="http://schemas.microsoft.com/office/drawing/2014/main" id="{E6C3F373-C70B-D1D9-3605-9FB0D53BDD55}"/>
               </a:ext>
             </a:extLst>
           </p:cNvPr>
@@ -166,7 +166,7 @@
           <p:cNvPr id="3" name="副标题 2">
             <a:extLst>
               <a:ext uri="{FF2B5EF4-FFF2-40B4-BE49-F238E27FC236}">
-                <a16:creationId xmlns:a16="http://schemas.microsoft.com/office/drawing/2014/main" id="{053B85DC-BB63-AF8C-E2F5-12E39CED16DF}"/>
+                <a16:creationId xmlns:a16="http://schemas.microsoft.com/office/drawing/2014/main" id="{0A00ADC8-007B-C8A4-772B-D6088DB351FE}"/>
               </a:ext>
             </a:extLst>
           </p:cNvPr>
@@ -236,7 +236,7 @@
           <p:cNvPr id="4" name="日期占位符 3">
             <a:extLst>
               <a:ext uri="{FF2B5EF4-FFF2-40B4-BE49-F238E27FC236}">
-                <a16:creationId xmlns:a16="http://schemas.microsoft.com/office/drawing/2014/main" id="{0CE643A4-0D5F-809C-58EA-5F3429830901}"/>
+                <a16:creationId xmlns:a16="http://schemas.microsoft.com/office/drawing/2014/main" id="{5800FE30-CED1-00DA-E905-ADAD9D85E417}"/>
               </a:ext>
             </a:extLst>
           </p:cNvPr>
@@ -252,7 +252,7 @@
           <a:bodyPr/>
           <a:lstStyle/>
           <a:p>
-            <a:fld id="{7AB0C110-5957-4460-B909-DC266FB8D8DC}" type="datetimeFigureOut">
+            <a:fld id="{035EAFEB-B620-4517-83C3-DCCA025375DF}" type="datetimeFigureOut">
               <a:rPr lang="zh-CN" altLang="en-US" smtClean="0"/>
               <a:t>2024/3/10</a:t>
             </a:fld>
@@ -265,7 +265,7 @@
           <p:cNvPr id="5" name="页脚占位符 4">
             <a:extLst>
               <a:ext uri="{FF2B5EF4-FFF2-40B4-BE49-F238E27FC236}">
-                <a16:creationId xmlns:a16="http://schemas.microsoft.com/office/drawing/2014/main" id="{728C8747-0EB8-7274-8F66-85BA195DB259}"/>
+                <a16:creationId xmlns:a16="http://schemas.microsoft.com/office/drawing/2014/main" id="{1FCF8B16-2BEB-71B8-0F76-23AACE13FF87}"/>
               </a:ext>
             </a:extLst>
           </p:cNvPr>
@@ -290,7 +290,7 @@
           <p:cNvPr id="6" name="灯片编号占位符 5">
             <a:extLst>
               <a:ext uri="{FF2B5EF4-FFF2-40B4-BE49-F238E27FC236}">
-                <a16:creationId xmlns:a16="http://schemas.microsoft.com/office/drawing/2014/main" id="{B4BBA52F-2F6D-3F97-9F9A-45E869254A27}"/>
+                <a16:creationId xmlns:a16="http://schemas.microsoft.com/office/drawing/2014/main" id="{4181EF6D-F582-49EA-7021-503E2AA656B3}"/>
               </a:ext>
             </a:extLst>
           </p:cNvPr>
@@ -306,7 +306,7 @@
           <a:bodyPr/>
           <a:lstStyle/>
           <a:p>
-            <a:fld id="{0084D7C8-43EF-4660-B69C-0A313C2BE0F2}" type="slidenum">
+            <a:fld id="{23FE9C29-4068-4435-9BB7-D5FD1D5842BA}" type="slidenum">
               <a:rPr lang="zh-CN" altLang="en-US" smtClean="0"/>
               <a:t>‹#›</a:t>
             </a:fld>
@@ -317,7 +317,7 @@
     </p:spTree>
     <p:extLst>
       <p:ext uri="{BB962C8B-B14F-4D97-AF65-F5344CB8AC3E}">
-        <p14:creationId xmlns:p14="http://schemas.microsoft.com/office/powerpoint/2010/main" val="48887678"/>
+        <p14:creationId xmlns:p14="http://schemas.microsoft.com/office/powerpoint/2010/main" val="2684682860"/>
       </p:ext>
     </p:extLst>
   </p:cSld>
@@ -349,7 +349,7 @@
           <p:cNvPr id="2" name="标题 1">
             <a:extLst>
               <a:ext uri="{FF2B5EF4-FFF2-40B4-BE49-F238E27FC236}">
-                <a16:creationId xmlns:a16="http://schemas.microsoft.com/office/drawing/2014/main" id="{EDC70C47-4F5A-EC64-D1D1-43F34E8FB84A}"/>
+                <a16:creationId xmlns:a16="http://schemas.microsoft.com/office/drawing/2014/main" id="{E3168B4E-5140-94E7-6BEA-DCC3410FFC50}"/>
               </a:ext>
             </a:extLst>
           </p:cNvPr>
@@ -377,7 +377,7 @@
           <p:cNvPr id="3" name="竖排文字占位符 2">
             <a:extLst>
               <a:ext uri="{FF2B5EF4-FFF2-40B4-BE49-F238E27FC236}">
-                <a16:creationId xmlns:a16="http://schemas.microsoft.com/office/drawing/2014/main" id="{035BACAD-0582-3453-6945-CF4A5A696AC5}"/>
+                <a16:creationId xmlns:a16="http://schemas.microsoft.com/office/drawing/2014/main" id="{8CCCC41C-F2A7-C216-733A-C071B69307E6}"/>
               </a:ext>
             </a:extLst>
           </p:cNvPr>
@@ -434,7 +434,7 @@
           <p:cNvPr id="4" name="日期占位符 3">
             <a:extLst>
               <a:ext uri="{FF2B5EF4-FFF2-40B4-BE49-F238E27FC236}">
-                <a16:creationId xmlns:a16="http://schemas.microsoft.com/office/drawing/2014/main" id="{D8EA24DC-93F9-7B19-3317-DB00671E6C36}"/>
+                <a16:creationId xmlns:a16="http://schemas.microsoft.com/office/drawing/2014/main" id="{B03FB9C2-EF10-4CB4-9F4D-F9FAA5FE0A02}"/>
               </a:ext>
             </a:extLst>
           </p:cNvPr>
@@ -450,7 +450,7 @@
           <a:bodyPr/>
           <a:lstStyle/>
           <a:p>
-            <a:fld id="{7AB0C110-5957-4460-B909-DC266FB8D8DC}" type="datetimeFigureOut">
+            <a:fld id="{035EAFEB-B620-4517-83C3-DCCA025375DF}" type="datetimeFigureOut">
               <a:rPr lang="zh-CN" altLang="en-US" smtClean="0"/>
               <a:t>2024/3/10</a:t>
             </a:fld>
@@ -463,7 +463,7 @@
           <p:cNvPr id="5" name="页脚占位符 4">
             <a:extLst>
               <a:ext uri="{FF2B5EF4-FFF2-40B4-BE49-F238E27FC236}">
-                <a16:creationId xmlns:a16="http://schemas.microsoft.com/office/drawing/2014/main" id="{92CC7A9C-8F9B-FC37-8C88-EDB5A27A20BE}"/>
+                <a16:creationId xmlns:a16="http://schemas.microsoft.com/office/drawing/2014/main" id="{F8B2191B-4003-DF1E-6397-E201F62F9AEB}"/>
               </a:ext>
             </a:extLst>
           </p:cNvPr>
@@ -488,7 +488,7 @@
           <p:cNvPr id="6" name="灯片编号占位符 5">
             <a:extLst>
               <a:ext uri="{FF2B5EF4-FFF2-40B4-BE49-F238E27FC236}">
-                <a16:creationId xmlns:a16="http://schemas.microsoft.com/office/drawing/2014/main" id="{52AF9A65-6C76-BB40-B3DC-4D1AF137B114}"/>
+                <a16:creationId xmlns:a16="http://schemas.microsoft.com/office/drawing/2014/main" id="{C300AAEA-12ED-77F6-D9AC-5112B5AE2A4A}"/>
               </a:ext>
             </a:extLst>
           </p:cNvPr>
@@ -504,7 +504,7 @@
           <a:bodyPr/>
           <a:lstStyle/>
           <a:p>
-            <a:fld id="{0084D7C8-43EF-4660-B69C-0A313C2BE0F2}" type="slidenum">
+            <a:fld id="{23FE9C29-4068-4435-9BB7-D5FD1D5842BA}" type="slidenum">
               <a:rPr lang="zh-CN" altLang="en-US" smtClean="0"/>
               <a:t>‹#›</a:t>
             </a:fld>
@@ -515,7 +515,7 @@
     </p:spTree>
     <p:extLst>
       <p:ext uri="{BB962C8B-B14F-4D97-AF65-F5344CB8AC3E}">
-        <p14:creationId xmlns:p14="http://schemas.microsoft.com/office/powerpoint/2010/main" val="2051967267"/>
+        <p14:creationId xmlns:p14="http://schemas.microsoft.com/office/powerpoint/2010/main" val="1318985872"/>
       </p:ext>
     </p:extLst>
   </p:cSld>
@@ -547,7 +547,7 @@
           <p:cNvPr id="2" name="竖排标题 1">
             <a:extLst>
               <a:ext uri="{FF2B5EF4-FFF2-40B4-BE49-F238E27FC236}">
-                <a16:creationId xmlns:a16="http://schemas.microsoft.com/office/drawing/2014/main" id="{6B26AA59-9C1B-1FB4-03CC-595D9A34D563}"/>
+                <a16:creationId xmlns:a16="http://schemas.microsoft.com/office/drawing/2014/main" id="{5AB85794-8658-B5DF-E898-50645CA4DD26}"/>
               </a:ext>
             </a:extLst>
           </p:cNvPr>
@@ -580,7 +580,7 @@
           <p:cNvPr id="3" name="竖排文字占位符 2">
             <a:extLst>
               <a:ext uri="{FF2B5EF4-FFF2-40B4-BE49-F238E27FC236}">
-                <a16:creationId xmlns:a16="http://schemas.microsoft.com/office/drawing/2014/main" id="{C27A8238-B1B6-7409-8546-BC578D8AD13D}"/>
+                <a16:creationId xmlns:a16="http://schemas.microsoft.com/office/drawing/2014/main" id="{43CF1836-0F93-DD4A-1B80-8EFEF8C81197}"/>
               </a:ext>
             </a:extLst>
           </p:cNvPr>
@@ -642,7 +642,7 @@
           <p:cNvPr id="4" name="日期占位符 3">
             <a:extLst>
               <a:ext uri="{FF2B5EF4-FFF2-40B4-BE49-F238E27FC236}">
-                <a16:creationId xmlns:a16="http://schemas.microsoft.com/office/drawing/2014/main" id="{032777B6-9278-311C-44B0-923D19D94FED}"/>
+                <a16:creationId xmlns:a16="http://schemas.microsoft.com/office/drawing/2014/main" id="{FD105CBA-D5AD-A47F-B609-BE8E87F8DB57}"/>
               </a:ext>
             </a:extLst>
           </p:cNvPr>
@@ -658,7 +658,7 @@
           <a:bodyPr/>
           <a:lstStyle/>
           <a:p>
-            <a:fld id="{7AB0C110-5957-4460-B909-DC266FB8D8DC}" type="datetimeFigureOut">
+            <a:fld id="{035EAFEB-B620-4517-83C3-DCCA025375DF}" type="datetimeFigureOut">
               <a:rPr lang="zh-CN" altLang="en-US" smtClean="0"/>
               <a:t>2024/3/10</a:t>
             </a:fld>
@@ -671,7 +671,7 @@
           <p:cNvPr id="5" name="页脚占位符 4">
             <a:extLst>
               <a:ext uri="{FF2B5EF4-FFF2-40B4-BE49-F238E27FC236}">
-                <a16:creationId xmlns:a16="http://schemas.microsoft.com/office/drawing/2014/main" id="{3D5571C4-DBCB-3D46-93C9-BB08D959FABF}"/>
+                <a16:creationId xmlns:a16="http://schemas.microsoft.com/office/drawing/2014/main" id="{1D0FF65A-0DC5-00D3-A484-FD513C4B20F4}"/>
               </a:ext>
             </a:extLst>
           </p:cNvPr>
@@ -696,7 +696,7 @@
           <p:cNvPr id="6" name="灯片编号占位符 5">
             <a:extLst>
               <a:ext uri="{FF2B5EF4-FFF2-40B4-BE49-F238E27FC236}">
-                <a16:creationId xmlns:a16="http://schemas.microsoft.com/office/drawing/2014/main" id="{91D6CA9E-2E40-1597-6E09-79D5746CC9B9}"/>
+                <a16:creationId xmlns:a16="http://schemas.microsoft.com/office/drawing/2014/main" id="{C490CBA7-19B8-AA11-0294-B472114941C0}"/>
               </a:ext>
             </a:extLst>
           </p:cNvPr>
@@ -712,7 +712,7 @@
           <a:bodyPr/>
           <a:lstStyle/>
           <a:p>
-            <a:fld id="{0084D7C8-43EF-4660-B69C-0A313C2BE0F2}" type="slidenum">
+            <a:fld id="{23FE9C29-4068-4435-9BB7-D5FD1D5842BA}" type="slidenum">
               <a:rPr lang="zh-CN" altLang="en-US" smtClean="0"/>
               <a:t>‹#›</a:t>
             </a:fld>
@@ -723,7 +723,7 @@
     </p:spTree>
     <p:extLst>
       <p:ext uri="{BB962C8B-B14F-4D97-AF65-F5344CB8AC3E}">
-        <p14:creationId xmlns:p14="http://schemas.microsoft.com/office/powerpoint/2010/main" val="2215920763"/>
+        <p14:creationId xmlns:p14="http://schemas.microsoft.com/office/powerpoint/2010/main" val="1930656451"/>
       </p:ext>
     </p:extLst>
   </p:cSld>
@@ -755,7 +755,7 @@
           <p:cNvPr id="2" name="标题 1">
             <a:extLst>
               <a:ext uri="{FF2B5EF4-FFF2-40B4-BE49-F238E27FC236}">
-                <a16:creationId xmlns:a16="http://schemas.microsoft.com/office/drawing/2014/main" id="{FCCE6F39-052D-C306-45A4-EB86232620BF}"/>
+                <a16:creationId xmlns:a16="http://schemas.microsoft.com/office/drawing/2014/main" id="{F7AD5DF5-A957-A7D3-0822-7EA3E9FF105B}"/>
               </a:ext>
             </a:extLst>
           </p:cNvPr>
@@ -783,7 +783,7 @@
           <p:cNvPr id="3" name="内容占位符 2">
             <a:extLst>
               <a:ext uri="{FF2B5EF4-FFF2-40B4-BE49-F238E27FC236}">
-                <a16:creationId xmlns:a16="http://schemas.microsoft.com/office/drawing/2014/main" id="{7B9D18BC-223C-DD82-47E0-EE22CF8E825F}"/>
+                <a16:creationId xmlns:a16="http://schemas.microsoft.com/office/drawing/2014/main" id="{1DAF25A4-ED6B-0BAF-7EAC-1DC22C9696DB}"/>
               </a:ext>
             </a:extLst>
           </p:cNvPr>
@@ -840,7 +840,7 @@
           <p:cNvPr id="4" name="日期占位符 3">
             <a:extLst>
               <a:ext uri="{FF2B5EF4-FFF2-40B4-BE49-F238E27FC236}">
-                <a16:creationId xmlns:a16="http://schemas.microsoft.com/office/drawing/2014/main" id="{1A9881B7-DA0B-C3D6-6001-55B4999FE8C2}"/>
+                <a16:creationId xmlns:a16="http://schemas.microsoft.com/office/drawing/2014/main" id="{2EE424BE-96B1-DA1D-DF82-31A0BD6F3051}"/>
               </a:ext>
             </a:extLst>
           </p:cNvPr>
@@ -856,7 +856,7 @@
           <a:bodyPr/>
           <a:lstStyle/>
           <a:p>
-            <a:fld id="{7AB0C110-5957-4460-B909-DC266FB8D8DC}" type="datetimeFigureOut">
+            <a:fld id="{035EAFEB-B620-4517-83C3-DCCA025375DF}" type="datetimeFigureOut">
               <a:rPr lang="zh-CN" altLang="en-US" smtClean="0"/>
               <a:t>2024/3/10</a:t>
             </a:fld>
@@ -869,7 +869,7 @@
           <p:cNvPr id="5" name="页脚占位符 4">
             <a:extLst>
               <a:ext uri="{FF2B5EF4-FFF2-40B4-BE49-F238E27FC236}">
-                <a16:creationId xmlns:a16="http://schemas.microsoft.com/office/drawing/2014/main" id="{4CDD0CED-AA48-F521-BB4C-1FA4DBB09D78}"/>
+                <a16:creationId xmlns:a16="http://schemas.microsoft.com/office/drawing/2014/main" id="{2BCC8AC9-1515-EF5D-7A9E-9660F21E03EB}"/>
               </a:ext>
             </a:extLst>
           </p:cNvPr>
@@ -894,7 +894,7 @@
           <p:cNvPr id="6" name="灯片编号占位符 5">
             <a:extLst>
               <a:ext uri="{FF2B5EF4-FFF2-40B4-BE49-F238E27FC236}">
-                <a16:creationId xmlns:a16="http://schemas.microsoft.com/office/drawing/2014/main" id="{C4F013C2-5C4D-A952-91A0-72D3E9617C9B}"/>
+                <a16:creationId xmlns:a16="http://schemas.microsoft.com/office/drawing/2014/main" id="{41BCFA32-C490-5451-E594-FE2C90157C87}"/>
               </a:ext>
             </a:extLst>
           </p:cNvPr>
@@ -910,7 +910,7 @@
           <a:bodyPr/>
           <a:lstStyle/>
           <a:p>
-            <a:fld id="{0084D7C8-43EF-4660-B69C-0A313C2BE0F2}" type="slidenum">
+            <a:fld id="{23FE9C29-4068-4435-9BB7-D5FD1D5842BA}" type="slidenum">
               <a:rPr lang="zh-CN" altLang="en-US" smtClean="0"/>
               <a:t>‹#›</a:t>
             </a:fld>
@@ -921,7 +921,7 @@
     </p:spTree>
     <p:extLst>
       <p:ext uri="{BB962C8B-B14F-4D97-AF65-F5344CB8AC3E}">
-        <p14:creationId xmlns:p14="http://schemas.microsoft.com/office/powerpoint/2010/main" val="2970997501"/>
+        <p14:creationId xmlns:p14="http://schemas.microsoft.com/office/powerpoint/2010/main" val="2479114120"/>
       </p:ext>
     </p:extLst>
   </p:cSld>
@@ -953,7 +953,7 @@
           <p:cNvPr id="2" name="标题 1">
             <a:extLst>
               <a:ext uri="{FF2B5EF4-FFF2-40B4-BE49-F238E27FC236}">
-                <a16:creationId xmlns:a16="http://schemas.microsoft.com/office/drawing/2014/main" id="{00C2B272-1C4A-F65C-A0FF-6D6B1BCDE987}"/>
+                <a16:creationId xmlns:a16="http://schemas.microsoft.com/office/drawing/2014/main" id="{34239926-A9DE-AA7C-5E12-90B6B2E71EAE}"/>
               </a:ext>
             </a:extLst>
           </p:cNvPr>
@@ -990,7 +990,7 @@
           <p:cNvPr id="3" name="文本占位符 2">
             <a:extLst>
               <a:ext uri="{FF2B5EF4-FFF2-40B4-BE49-F238E27FC236}">
-                <a16:creationId xmlns:a16="http://schemas.microsoft.com/office/drawing/2014/main" id="{6DC060A2-01FF-AF4B-5F1A-0CF227D5FF9E}"/>
+                <a16:creationId xmlns:a16="http://schemas.microsoft.com/office/drawing/2014/main" id="{8BDA3067-D876-0156-BDB2-B82F4A852F63}"/>
               </a:ext>
             </a:extLst>
           </p:cNvPr>
@@ -1115,7 +1115,7 @@
           <p:cNvPr id="4" name="日期占位符 3">
             <a:extLst>
               <a:ext uri="{FF2B5EF4-FFF2-40B4-BE49-F238E27FC236}">
-                <a16:creationId xmlns:a16="http://schemas.microsoft.com/office/drawing/2014/main" id="{FB66E987-7A3A-F87A-B2DE-027BF9EB9506}"/>
+                <a16:creationId xmlns:a16="http://schemas.microsoft.com/office/drawing/2014/main" id="{4D19E936-069E-6E65-087A-9239BB0FBB28}"/>
               </a:ext>
             </a:extLst>
           </p:cNvPr>
@@ -1131,7 +1131,7 @@
           <a:bodyPr/>
           <a:lstStyle/>
           <a:p>
-            <a:fld id="{7AB0C110-5957-4460-B909-DC266FB8D8DC}" type="datetimeFigureOut">
+            <a:fld id="{035EAFEB-B620-4517-83C3-DCCA025375DF}" type="datetimeFigureOut">
               <a:rPr lang="zh-CN" altLang="en-US" smtClean="0"/>
               <a:t>2024/3/10</a:t>
             </a:fld>
@@ -1144,7 +1144,7 @@
           <p:cNvPr id="5" name="页脚占位符 4">
             <a:extLst>
               <a:ext uri="{FF2B5EF4-FFF2-40B4-BE49-F238E27FC236}">
-                <a16:creationId xmlns:a16="http://schemas.microsoft.com/office/drawing/2014/main" id="{DD65D3AC-D16A-F94F-B08F-75317F94B1DE}"/>
+                <a16:creationId xmlns:a16="http://schemas.microsoft.com/office/drawing/2014/main" id="{31F65B30-8E1B-DC7B-D1D0-55BF29A3D865}"/>
               </a:ext>
             </a:extLst>
           </p:cNvPr>
@@ -1169,7 +1169,7 @@
           <p:cNvPr id="6" name="灯片编号占位符 5">
             <a:extLst>
               <a:ext uri="{FF2B5EF4-FFF2-40B4-BE49-F238E27FC236}">
-                <a16:creationId xmlns:a16="http://schemas.microsoft.com/office/drawing/2014/main" id="{13415BB3-5D92-7CBA-D54F-9076C5D0FB99}"/>
+                <a16:creationId xmlns:a16="http://schemas.microsoft.com/office/drawing/2014/main" id="{A9F06A9A-81AE-9BBE-6ADF-14979CCADD68}"/>
               </a:ext>
             </a:extLst>
           </p:cNvPr>
@@ -1185,7 +1185,7 @@
           <a:bodyPr/>
           <a:lstStyle/>
           <a:p>
-            <a:fld id="{0084D7C8-43EF-4660-B69C-0A313C2BE0F2}" type="slidenum">
+            <a:fld id="{23FE9C29-4068-4435-9BB7-D5FD1D5842BA}" type="slidenum">
               <a:rPr lang="zh-CN" altLang="en-US" smtClean="0"/>
               <a:t>‹#›</a:t>
             </a:fld>
@@ -1196,7 +1196,7 @@
     </p:spTree>
     <p:extLst>
       <p:ext uri="{BB962C8B-B14F-4D97-AF65-F5344CB8AC3E}">
-        <p14:creationId xmlns:p14="http://schemas.microsoft.com/office/powerpoint/2010/main" val="1112962829"/>
+        <p14:creationId xmlns:p14="http://schemas.microsoft.com/office/powerpoint/2010/main" val="2278430077"/>
       </p:ext>
     </p:extLst>
   </p:cSld>
@@ -1228,7 +1228,7 @@
           <p:cNvPr id="2" name="标题 1">
             <a:extLst>
               <a:ext uri="{FF2B5EF4-FFF2-40B4-BE49-F238E27FC236}">
-                <a16:creationId xmlns:a16="http://schemas.microsoft.com/office/drawing/2014/main" id="{44C58E97-8797-162B-D314-93AB09B70F31}"/>
+                <a16:creationId xmlns:a16="http://schemas.microsoft.com/office/drawing/2014/main" id="{0A5E737A-30FF-DE5B-1B9F-D29FB8D993AB}"/>
               </a:ext>
             </a:extLst>
           </p:cNvPr>
@@ -1256,7 +1256,7 @@
           <p:cNvPr id="3" name="内容占位符 2">
             <a:extLst>
               <a:ext uri="{FF2B5EF4-FFF2-40B4-BE49-F238E27FC236}">
-                <a16:creationId xmlns:a16="http://schemas.microsoft.com/office/drawing/2014/main" id="{2ADEDA42-0D87-2138-76FC-2BCA32C8A553}"/>
+                <a16:creationId xmlns:a16="http://schemas.microsoft.com/office/drawing/2014/main" id="{58FC0CC0-CD15-3097-8416-51C2C576B634}"/>
               </a:ext>
             </a:extLst>
           </p:cNvPr>
@@ -1318,7 +1318,7 @@
           <p:cNvPr id="4" name="内容占位符 3">
             <a:extLst>
               <a:ext uri="{FF2B5EF4-FFF2-40B4-BE49-F238E27FC236}">
-                <a16:creationId xmlns:a16="http://schemas.microsoft.com/office/drawing/2014/main" id="{FA4F0730-7319-220F-8948-B65ECF9A03CC}"/>
+                <a16:creationId xmlns:a16="http://schemas.microsoft.com/office/drawing/2014/main" id="{799C6461-03C7-9911-D656-E82DD66F0619}"/>
               </a:ext>
             </a:extLst>
           </p:cNvPr>
@@ -1380,7 +1380,7 @@
           <p:cNvPr id="5" name="日期占位符 4">
             <a:extLst>
               <a:ext uri="{FF2B5EF4-FFF2-40B4-BE49-F238E27FC236}">
-                <a16:creationId xmlns:a16="http://schemas.microsoft.com/office/drawing/2014/main" id="{9E4C48CC-D0D7-A437-D6AC-6767572C85AD}"/>
+                <a16:creationId xmlns:a16="http://schemas.microsoft.com/office/drawing/2014/main" id="{C66A9385-9F61-0A6B-10CC-1DF84FDABB6D}"/>
               </a:ext>
             </a:extLst>
           </p:cNvPr>
@@ -1396,7 +1396,7 @@
           <a:bodyPr/>
           <a:lstStyle/>
           <a:p>
-            <a:fld id="{7AB0C110-5957-4460-B909-DC266FB8D8DC}" type="datetimeFigureOut">
+            <a:fld id="{035EAFEB-B620-4517-83C3-DCCA025375DF}" type="datetimeFigureOut">
               <a:rPr lang="zh-CN" altLang="en-US" smtClean="0"/>
               <a:t>2024/3/10</a:t>
             </a:fld>
@@ -1409,7 +1409,7 @@
           <p:cNvPr id="6" name="页脚占位符 5">
             <a:extLst>
               <a:ext uri="{FF2B5EF4-FFF2-40B4-BE49-F238E27FC236}">
-                <a16:creationId xmlns:a16="http://schemas.microsoft.com/office/drawing/2014/main" id="{7D67A10E-6DEE-F6CD-23BF-43C916CCDA53}"/>
+                <a16:creationId xmlns:a16="http://schemas.microsoft.com/office/drawing/2014/main" id="{63E24E45-675A-D610-B915-4F91CA92DC52}"/>
               </a:ext>
             </a:extLst>
           </p:cNvPr>
@@ -1434,7 +1434,7 @@
           <p:cNvPr id="7" name="灯片编号占位符 6">
             <a:extLst>
               <a:ext uri="{FF2B5EF4-FFF2-40B4-BE49-F238E27FC236}">
-                <a16:creationId xmlns:a16="http://schemas.microsoft.com/office/drawing/2014/main" id="{05BB3BB6-6A2D-17E5-D90B-69C82B4CDCE6}"/>
+                <a16:creationId xmlns:a16="http://schemas.microsoft.com/office/drawing/2014/main" id="{4C81D169-2D3C-3029-225A-7EE911D122C7}"/>
               </a:ext>
             </a:extLst>
           </p:cNvPr>
@@ -1450,7 +1450,7 @@
           <a:bodyPr/>
           <a:lstStyle/>
           <a:p>
-            <a:fld id="{0084D7C8-43EF-4660-B69C-0A313C2BE0F2}" type="slidenum">
+            <a:fld id="{23FE9C29-4068-4435-9BB7-D5FD1D5842BA}" type="slidenum">
               <a:rPr lang="zh-CN" altLang="en-US" smtClean="0"/>
               <a:t>‹#›</a:t>
             </a:fld>
@@ -1461,7 +1461,7 @@
     </p:spTree>
     <p:extLst>
       <p:ext uri="{BB962C8B-B14F-4D97-AF65-F5344CB8AC3E}">
-        <p14:creationId xmlns:p14="http://schemas.microsoft.com/office/powerpoint/2010/main" val="4240652573"/>
+        <p14:creationId xmlns:p14="http://schemas.microsoft.com/office/powerpoint/2010/main" val="4172050386"/>
       </p:ext>
     </p:extLst>
   </p:cSld>
@@ -1493,7 +1493,7 @@
           <p:cNvPr id="2" name="标题 1">
             <a:extLst>
               <a:ext uri="{FF2B5EF4-FFF2-40B4-BE49-F238E27FC236}">
-                <a16:creationId xmlns:a16="http://schemas.microsoft.com/office/drawing/2014/main" id="{B99CB2A1-F5F1-F057-5355-059404935CDB}"/>
+                <a16:creationId xmlns:a16="http://schemas.microsoft.com/office/drawing/2014/main" id="{0B214376-4B79-BCFC-136D-E8CB611762B4}"/>
               </a:ext>
             </a:extLst>
           </p:cNvPr>
@@ -1526,7 +1526,7 @@
           <p:cNvPr id="3" name="文本占位符 2">
             <a:extLst>
               <a:ext uri="{FF2B5EF4-FFF2-40B4-BE49-F238E27FC236}">
-                <a16:creationId xmlns:a16="http://schemas.microsoft.com/office/drawing/2014/main" id="{55F478BE-4939-62E4-AE09-6798086CAB2D}"/>
+                <a16:creationId xmlns:a16="http://schemas.microsoft.com/office/drawing/2014/main" id="{8AC830F7-260D-E4F3-646D-20E815BC3245}"/>
               </a:ext>
             </a:extLst>
           </p:cNvPr>
@@ -1597,7 +1597,7 @@
           <p:cNvPr id="4" name="内容占位符 3">
             <a:extLst>
               <a:ext uri="{FF2B5EF4-FFF2-40B4-BE49-F238E27FC236}">
-                <a16:creationId xmlns:a16="http://schemas.microsoft.com/office/drawing/2014/main" id="{F60DB95B-6B21-784D-D624-56F2A8E5F44E}"/>
+                <a16:creationId xmlns:a16="http://schemas.microsoft.com/office/drawing/2014/main" id="{C1499990-0FCA-8BED-C664-9C32DF3C3C7C}"/>
               </a:ext>
             </a:extLst>
           </p:cNvPr>
@@ -1659,7 +1659,7 @@
           <p:cNvPr id="5" name="文本占位符 4">
             <a:extLst>
               <a:ext uri="{FF2B5EF4-FFF2-40B4-BE49-F238E27FC236}">
-                <a16:creationId xmlns:a16="http://schemas.microsoft.com/office/drawing/2014/main" id="{94800651-A5BF-6D7E-0D78-EB36AFFF3E42}"/>
+                <a16:creationId xmlns:a16="http://schemas.microsoft.com/office/drawing/2014/main" id="{56876F42-DDBC-2076-A510-C851DFA373CF}"/>
               </a:ext>
             </a:extLst>
           </p:cNvPr>
@@ -1730,7 +1730,7 @@
           <p:cNvPr id="6" name="内容占位符 5">
             <a:extLst>
               <a:ext uri="{FF2B5EF4-FFF2-40B4-BE49-F238E27FC236}">
-                <a16:creationId xmlns:a16="http://schemas.microsoft.com/office/drawing/2014/main" id="{0BB643A5-6F9B-F568-C669-77B38748FCA8}"/>
+                <a16:creationId xmlns:a16="http://schemas.microsoft.com/office/drawing/2014/main" id="{50719C24-5928-DEEC-030F-01BCAED2DF36}"/>
               </a:ext>
             </a:extLst>
           </p:cNvPr>
@@ -1792,7 +1792,7 @@
           <p:cNvPr id="7" name="日期占位符 6">
             <a:extLst>
               <a:ext uri="{FF2B5EF4-FFF2-40B4-BE49-F238E27FC236}">
-                <a16:creationId xmlns:a16="http://schemas.microsoft.com/office/drawing/2014/main" id="{C85CE82C-51ED-1A91-E21B-77188510FA03}"/>
+                <a16:creationId xmlns:a16="http://schemas.microsoft.com/office/drawing/2014/main" id="{7EA3B875-C03C-3669-76D8-C48A5D3BE5A2}"/>
               </a:ext>
             </a:extLst>
           </p:cNvPr>
@@ -1808,7 +1808,7 @@
           <a:bodyPr/>
           <a:lstStyle/>
           <a:p>
-            <a:fld id="{7AB0C110-5957-4460-B909-DC266FB8D8DC}" type="datetimeFigureOut">
+            <a:fld id="{035EAFEB-B620-4517-83C3-DCCA025375DF}" type="datetimeFigureOut">
               <a:rPr lang="zh-CN" altLang="en-US" smtClean="0"/>
               <a:t>2024/3/10</a:t>
             </a:fld>
@@ -1821,7 +1821,7 @@
           <p:cNvPr id="8" name="页脚占位符 7">
             <a:extLst>
               <a:ext uri="{FF2B5EF4-FFF2-40B4-BE49-F238E27FC236}">
-                <a16:creationId xmlns:a16="http://schemas.microsoft.com/office/drawing/2014/main" id="{19550019-5933-910C-A430-99ABA70E93B2}"/>
+                <a16:creationId xmlns:a16="http://schemas.microsoft.com/office/drawing/2014/main" id="{B1AAFF3C-F36A-59B3-43B3-385566168C2D}"/>
               </a:ext>
             </a:extLst>
           </p:cNvPr>
@@ -1846,7 +1846,7 @@
           <p:cNvPr id="9" name="灯片编号占位符 8">
             <a:extLst>
               <a:ext uri="{FF2B5EF4-FFF2-40B4-BE49-F238E27FC236}">
-                <a16:creationId xmlns:a16="http://schemas.microsoft.com/office/drawing/2014/main" id="{23CE9116-5E0B-3B70-24CB-FEC523254DC0}"/>
+                <a16:creationId xmlns:a16="http://schemas.microsoft.com/office/drawing/2014/main" id="{66DE5140-AD55-06D7-2EEF-EECB22FF33ED}"/>
               </a:ext>
             </a:extLst>
           </p:cNvPr>
@@ -1862,7 +1862,7 @@
           <a:bodyPr/>
           <a:lstStyle/>
           <a:p>
-            <a:fld id="{0084D7C8-43EF-4660-B69C-0A313C2BE0F2}" type="slidenum">
+            <a:fld id="{23FE9C29-4068-4435-9BB7-D5FD1D5842BA}" type="slidenum">
               <a:rPr lang="zh-CN" altLang="en-US" smtClean="0"/>
               <a:t>‹#›</a:t>
             </a:fld>
@@ -1873,7 +1873,7 @@
     </p:spTree>
     <p:extLst>
       <p:ext uri="{BB962C8B-B14F-4D97-AF65-F5344CB8AC3E}">
-        <p14:creationId xmlns:p14="http://schemas.microsoft.com/office/powerpoint/2010/main" val="2930037553"/>
+        <p14:creationId xmlns:p14="http://schemas.microsoft.com/office/powerpoint/2010/main" val="537729348"/>
       </p:ext>
     </p:extLst>
   </p:cSld>
@@ -1905,7 +1905,7 @@
           <p:cNvPr id="2" name="标题 1">
             <a:extLst>
               <a:ext uri="{FF2B5EF4-FFF2-40B4-BE49-F238E27FC236}">
-                <a16:creationId xmlns:a16="http://schemas.microsoft.com/office/drawing/2014/main" id="{B0B36A69-B751-5516-4842-DE5C2BBDDE24}"/>
+                <a16:creationId xmlns:a16="http://schemas.microsoft.com/office/drawing/2014/main" id="{4C452194-C2BB-E7CF-93F5-2D5BAAB7C267}"/>
               </a:ext>
             </a:extLst>
           </p:cNvPr>
@@ -1933,7 +1933,7 @@
           <p:cNvPr id="3" name="日期占位符 2">
             <a:extLst>
               <a:ext uri="{FF2B5EF4-FFF2-40B4-BE49-F238E27FC236}">
-                <a16:creationId xmlns:a16="http://schemas.microsoft.com/office/drawing/2014/main" id="{3B69466C-2D59-11FF-7AB6-5685F9C143BA}"/>
+                <a16:creationId xmlns:a16="http://schemas.microsoft.com/office/drawing/2014/main" id="{BB3A1E27-E591-7A0E-6E12-029B0C7C9428}"/>
               </a:ext>
             </a:extLst>
           </p:cNvPr>
@@ -1949,7 +1949,7 @@
           <a:bodyPr/>
           <a:lstStyle/>
           <a:p>
-            <a:fld id="{7AB0C110-5957-4460-B909-DC266FB8D8DC}" type="datetimeFigureOut">
+            <a:fld id="{035EAFEB-B620-4517-83C3-DCCA025375DF}" type="datetimeFigureOut">
               <a:rPr lang="zh-CN" altLang="en-US" smtClean="0"/>
               <a:t>2024/3/10</a:t>
             </a:fld>
@@ -1962,7 +1962,7 @@
           <p:cNvPr id="4" name="页脚占位符 3">
             <a:extLst>
               <a:ext uri="{FF2B5EF4-FFF2-40B4-BE49-F238E27FC236}">
-                <a16:creationId xmlns:a16="http://schemas.microsoft.com/office/drawing/2014/main" id="{63D784DE-1815-FF49-CE58-F4EECC61BBD5}"/>
+                <a16:creationId xmlns:a16="http://schemas.microsoft.com/office/drawing/2014/main" id="{38005C13-EAEF-0D9C-3E17-1833741343BA}"/>
               </a:ext>
             </a:extLst>
           </p:cNvPr>
@@ -1987,7 +1987,7 @@
           <p:cNvPr id="5" name="灯片编号占位符 4">
             <a:extLst>
               <a:ext uri="{FF2B5EF4-FFF2-40B4-BE49-F238E27FC236}">
-                <a16:creationId xmlns:a16="http://schemas.microsoft.com/office/drawing/2014/main" id="{15B5A518-848D-332B-6F69-B9C51FAA0732}"/>
+                <a16:creationId xmlns:a16="http://schemas.microsoft.com/office/drawing/2014/main" id="{E3223DB8-6426-2ADC-BB78-8971BB1F8661}"/>
               </a:ext>
             </a:extLst>
           </p:cNvPr>
@@ -2003,7 +2003,7 @@
           <a:bodyPr/>
           <a:lstStyle/>
           <a:p>
-            <a:fld id="{0084D7C8-43EF-4660-B69C-0A313C2BE0F2}" type="slidenum">
+            <a:fld id="{23FE9C29-4068-4435-9BB7-D5FD1D5842BA}" type="slidenum">
               <a:rPr lang="zh-CN" altLang="en-US" smtClean="0"/>
               <a:t>‹#›</a:t>
             </a:fld>
@@ -2014,7 +2014,7 @@
     </p:spTree>
     <p:extLst>
       <p:ext uri="{BB962C8B-B14F-4D97-AF65-F5344CB8AC3E}">
-        <p14:creationId xmlns:p14="http://schemas.microsoft.com/office/powerpoint/2010/main" val="768594713"/>
+        <p14:creationId xmlns:p14="http://schemas.microsoft.com/office/powerpoint/2010/main" val="1278448132"/>
       </p:ext>
     </p:extLst>
   </p:cSld>
@@ -2046,7 +2046,7 @@
           <p:cNvPr id="2" name="日期占位符 1">
             <a:extLst>
               <a:ext uri="{FF2B5EF4-FFF2-40B4-BE49-F238E27FC236}">
-                <a16:creationId xmlns:a16="http://schemas.microsoft.com/office/drawing/2014/main" id="{95AAE04F-42FC-D8F8-BABC-9B0C62C24C7D}"/>
+                <a16:creationId xmlns:a16="http://schemas.microsoft.com/office/drawing/2014/main" id="{57D2A0A3-388E-21C8-E5C1-0E188A23C27D}"/>
               </a:ext>
             </a:extLst>
           </p:cNvPr>
@@ -2062,7 +2062,7 @@
           <a:bodyPr/>
           <a:lstStyle/>
           <a:p>
-            <a:fld id="{7AB0C110-5957-4460-B909-DC266FB8D8DC}" type="datetimeFigureOut">
+            <a:fld id="{035EAFEB-B620-4517-83C3-DCCA025375DF}" type="datetimeFigureOut">
               <a:rPr lang="zh-CN" altLang="en-US" smtClean="0"/>
               <a:t>2024/3/10</a:t>
             </a:fld>
@@ -2075,7 +2075,7 @@
           <p:cNvPr id="3" name="页脚占位符 2">
             <a:extLst>
               <a:ext uri="{FF2B5EF4-FFF2-40B4-BE49-F238E27FC236}">
-                <a16:creationId xmlns:a16="http://schemas.microsoft.com/office/drawing/2014/main" id="{D188801A-282D-477B-1878-E35851743F1F}"/>
+                <a16:creationId xmlns:a16="http://schemas.microsoft.com/office/drawing/2014/main" id="{FBA12B14-E2B4-4FBD-998E-10074E1C588C}"/>
               </a:ext>
             </a:extLst>
           </p:cNvPr>
@@ -2100,7 +2100,7 @@
           <p:cNvPr id="4" name="灯片编号占位符 3">
             <a:extLst>
               <a:ext uri="{FF2B5EF4-FFF2-40B4-BE49-F238E27FC236}">
-                <a16:creationId xmlns:a16="http://schemas.microsoft.com/office/drawing/2014/main" id="{000F3B09-5ECA-4A18-9F73-57A58249436D}"/>
+                <a16:creationId xmlns:a16="http://schemas.microsoft.com/office/drawing/2014/main" id="{6E9D17E2-84E4-C41C-2A53-70E3FD850EB5}"/>
               </a:ext>
             </a:extLst>
           </p:cNvPr>
@@ -2116,7 +2116,7 @@
           <a:bodyPr/>
           <a:lstStyle/>
           <a:p>
-            <a:fld id="{0084D7C8-43EF-4660-B69C-0A313C2BE0F2}" type="slidenum">
+            <a:fld id="{23FE9C29-4068-4435-9BB7-D5FD1D5842BA}" type="slidenum">
               <a:rPr lang="zh-CN" altLang="en-US" smtClean="0"/>
               <a:t>‹#›</a:t>
             </a:fld>
@@ -2127,7 +2127,7 @@
     </p:spTree>
     <p:extLst>
       <p:ext uri="{BB962C8B-B14F-4D97-AF65-F5344CB8AC3E}">
-        <p14:creationId xmlns:p14="http://schemas.microsoft.com/office/powerpoint/2010/main" val="2711580365"/>
+        <p14:creationId xmlns:p14="http://schemas.microsoft.com/office/powerpoint/2010/main" val="3182385034"/>
       </p:ext>
     </p:extLst>
   </p:cSld>
@@ -2159,7 +2159,7 @@
           <p:cNvPr id="2" name="标题 1">
             <a:extLst>
               <a:ext uri="{FF2B5EF4-FFF2-40B4-BE49-F238E27FC236}">
-                <a16:creationId xmlns:a16="http://schemas.microsoft.com/office/drawing/2014/main" id="{AC16BB2F-FBE8-4807-E8DB-F5954D554269}"/>
+                <a16:creationId xmlns:a16="http://schemas.microsoft.com/office/drawing/2014/main" id="{87720974-93B1-3378-E2C2-97F7F80DD23D}"/>
               </a:ext>
             </a:extLst>
           </p:cNvPr>
@@ -2196,7 +2196,7 @@
           <p:cNvPr id="3" name="内容占位符 2">
             <a:extLst>
               <a:ext uri="{FF2B5EF4-FFF2-40B4-BE49-F238E27FC236}">
-                <a16:creationId xmlns:a16="http://schemas.microsoft.com/office/drawing/2014/main" id="{057EEC95-A870-4DD2-128C-5773EB119671}"/>
+                <a16:creationId xmlns:a16="http://schemas.microsoft.com/office/drawing/2014/main" id="{698A9AF7-1CF7-F4DC-2CC1-530648AD83C2}"/>
               </a:ext>
             </a:extLst>
           </p:cNvPr>
@@ -2286,7 +2286,7 @@
           <p:cNvPr id="4" name="文本占位符 3">
             <a:extLst>
               <a:ext uri="{FF2B5EF4-FFF2-40B4-BE49-F238E27FC236}">
-                <a16:creationId xmlns:a16="http://schemas.microsoft.com/office/drawing/2014/main" id="{31308F6F-D7EE-99F6-3F14-C3C986FB6C77}"/>
+                <a16:creationId xmlns:a16="http://schemas.microsoft.com/office/drawing/2014/main" id="{DBE706F1-0720-0DD1-EA35-98A149C5BC10}"/>
               </a:ext>
             </a:extLst>
           </p:cNvPr>
@@ -2357,7 +2357,7 @@
           <p:cNvPr id="5" name="日期占位符 4">
             <a:extLst>
               <a:ext uri="{FF2B5EF4-FFF2-40B4-BE49-F238E27FC236}">
-                <a16:creationId xmlns:a16="http://schemas.microsoft.com/office/drawing/2014/main" id="{E254018A-F407-19B4-8E8A-A61608CFA39C}"/>
+                <a16:creationId xmlns:a16="http://schemas.microsoft.com/office/drawing/2014/main" id="{1DA3F44A-06AC-3852-985F-032C72C9F840}"/>
               </a:ext>
             </a:extLst>
           </p:cNvPr>
@@ -2373,7 +2373,7 @@
           <a:bodyPr/>
           <a:lstStyle/>
           <a:p>
-            <a:fld id="{7AB0C110-5957-4460-B909-DC266FB8D8DC}" type="datetimeFigureOut">
+            <a:fld id="{035EAFEB-B620-4517-83C3-DCCA025375DF}" type="datetimeFigureOut">
               <a:rPr lang="zh-CN" altLang="en-US" smtClean="0"/>
               <a:t>2024/3/10</a:t>
             </a:fld>
@@ -2386,7 +2386,7 @@
           <p:cNvPr id="6" name="页脚占位符 5">
             <a:extLst>
               <a:ext uri="{FF2B5EF4-FFF2-40B4-BE49-F238E27FC236}">
-                <a16:creationId xmlns:a16="http://schemas.microsoft.com/office/drawing/2014/main" id="{86934631-4824-DC64-FECC-56D9CC50C5BA}"/>
+                <a16:creationId xmlns:a16="http://schemas.microsoft.com/office/drawing/2014/main" id="{0DBC03AC-A5CF-6896-BCDE-B46383B369D7}"/>
               </a:ext>
             </a:extLst>
           </p:cNvPr>
@@ -2411,7 +2411,7 @@
           <p:cNvPr id="7" name="灯片编号占位符 6">
             <a:extLst>
               <a:ext uri="{FF2B5EF4-FFF2-40B4-BE49-F238E27FC236}">
-                <a16:creationId xmlns:a16="http://schemas.microsoft.com/office/drawing/2014/main" id="{549669F1-BB6B-1E8C-72C8-BF4B70A85F4A}"/>
+                <a16:creationId xmlns:a16="http://schemas.microsoft.com/office/drawing/2014/main" id="{A4A5481D-6F26-9BF9-1E34-F8E83F794260}"/>
               </a:ext>
             </a:extLst>
           </p:cNvPr>
@@ -2427,7 +2427,7 @@
           <a:bodyPr/>
           <a:lstStyle/>
           <a:p>
-            <a:fld id="{0084D7C8-43EF-4660-B69C-0A313C2BE0F2}" type="slidenum">
+            <a:fld id="{23FE9C29-4068-4435-9BB7-D5FD1D5842BA}" type="slidenum">
               <a:rPr lang="zh-CN" altLang="en-US" smtClean="0"/>
               <a:t>‹#›</a:t>
             </a:fld>
@@ -2438,7 +2438,7 @@
     </p:spTree>
     <p:extLst>
       <p:ext uri="{BB962C8B-B14F-4D97-AF65-F5344CB8AC3E}">
-        <p14:creationId xmlns:p14="http://schemas.microsoft.com/office/powerpoint/2010/main" val="4014608652"/>
+        <p14:creationId xmlns:p14="http://schemas.microsoft.com/office/powerpoint/2010/main" val="1392108812"/>
       </p:ext>
     </p:extLst>
   </p:cSld>
@@ -2470,7 +2470,7 @@
           <p:cNvPr id="2" name="标题 1">
             <a:extLst>
               <a:ext uri="{FF2B5EF4-FFF2-40B4-BE49-F238E27FC236}">
-                <a16:creationId xmlns:a16="http://schemas.microsoft.com/office/drawing/2014/main" id="{37506B1A-8A40-134D-FF06-0F109D9A8A31}"/>
+                <a16:creationId xmlns:a16="http://schemas.microsoft.com/office/drawing/2014/main" id="{B45D4F29-D514-7B5D-BE59-A7AE9479EA76}"/>
               </a:ext>
             </a:extLst>
           </p:cNvPr>
@@ -2507,7 +2507,7 @@
           <p:cNvPr id="3" name="图片占位符 2">
             <a:extLst>
               <a:ext uri="{FF2B5EF4-FFF2-40B4-BE49-F238E27FC236}">
-                <a16:creationId xmlns:a16="http://schemas.microsoft.com/office/drawing/2014/main" id="{F9E0E5BC-7E06-9157-AF8C-5F7BA373EBB5}"/>
+                <a16:creationId xmlns:a16="http://schemas.microsoft.com/office/drawing/2014/main" id="{6EC391BC-2937-C7F7-8E57-02BF62D7853C}"/>
               </a:ext>
             </a:extLst>
           </p:cNvPr>
@@ -2574,7 +2574,7 @@
           <p:cNvPr id="4" name="文本占位符 3">
             <a:extLst>
               <a:ext uri="{FF2B5EF4-FFF2-40B4-BE49-F238E27FC236}">
-                <a16:creationId xmlns:a16="http://schemas.microsoft.com/office/drawing/2014/main" id="{E09EA0FE-B3BA-A664-C200-15F0A5048FFE}"/>
+                <a16:creationId xmlns:a16="http://schemas.microsoft.com/office/drawing/2014/main" id="{A1BEC32B-355C-4A03-0959-084D18593050}"/>
               </a:ext>
             </a:extLst>
           </p:cNvPr>
@@ -2645,7 +2645,7 @@
           <p:cNvPr id="5" name="日期占位符 4">
             <a:extLst>
               <a:ext uri="{FF2B5EF4-FFF2-40B4-BE49-F238E27FC236}">
-                <a16:creationId xmlns:a16="http://schemas.microsoft.com/office/drawing/2014/main" id="{4428EBB5-44AD-3883-EF9C-46B699FD7BE5}"/>
+                <a16:creationId xmlns:a16="http://schemas.microsoft.com/office/drawing/2014/main" id="{F19BE9C3-2F21-ED03-C623-E64639B1EBEB}"/>
               </a:ext>
             </a:extLst>
           </p:cNvPr>
@@ -2661,7 +2661,7 @@
           <a:bodyPr/>
           <a:lstStyle/>
           <a:p>
-            <a:fld id="{7AB0C110-5957-4460-B909-DC266FB8D8DC}" type="datetimeFigureOut">
+            <a:fld id="{035EAFEB-B620-4517-83C3-DCCA025375DF}" type="datetimeFigureOut">
               <a:rPr lang="zh-CN" altLang="en-US" smtClean="0"/>
               <a:t>2024/3/10</a:t>
             </a:fld>
@@ -2674,7 +2674,7 @@
           <p:cNvPr id="6" name="页脚占位符 5">
             <a:extLst>
               <a:ext uri="{FF2B5EF4-FFF2-40B4-BE49-F238E27FC236}">
-                <a16:creationId xmlns:a16="http://schemas.microsoft.com/office/drawing/2014/main" id="{5055864C-169E-39E7-48E6-A2CF33AD2586}"/>
+                <a16:creationId xmlns:a16="http://schemas.microsoft.com/office/drawing/2014/main" id="{F25E6ED0-BAAD-2226-F0DA-8C80CEF7651C}"/>
               </a:ext>
             </a:extLst>
           </p:cNvPr>
@@ -2699,7 +2699,7 @@
           <p:cNvPr id="7" name="灯片编号占位符 6">
             <a:extLst>
               <a:ext uri="{FF2B5EF4-FFF2-40B4-BE49-F238E27FC236}">
-                <a16:creationId xmlns:a16="http://schemas.microsoft.com/office/drawing/2014/main" id="{7FB208F7-3808-C011-B94B-A6026AE74310}"/>
+                <a16:creationId xmlns:a16="http://schemas.microsoft.com/office/drawing/2014/main" id="{E140149C-2209-F8CD-6FEE-F8C6884CB255}"/>
               </a:ext>
             </a:extLst>
           </p:cNvPr>
@@ -2715,7 +2715,7 @@
           <a:bodyPr/>
           <a:lstStyle/>
           <a:p>
-            <a:fld id="{0084D7C8-43EF-4660-B69C-0A313C2BE0F2}" type="slidenum">
+            <a:fld id="{23FE9C29-4068-4435-9BB7-D5FD1D5842BA}" type="slidenum">
               <a:rPr lang="zh-CN" altLang="en-US" smtClean="0"/>
               <a:t>‹#›</a:t>
             </a:fld>
@@ -2726,7 +2726,7 @@
     </p:spTree>
     <p:extLst>
       <p:ext uri="{BB962C8B-B14F-4D97-AF65-F5344CB8AC3E}">
-        <p14:creationId xmlns:p14="http://schemas.microsoft.com/office/powerpoint/2010/main" val="1327773137"/>
+        <p14:creationId xmlns:p14="http://schemas.microsoft.com/office/powerpoint/2010/main" val="2094046411"/>
       </p:ext>
     </p:extLst>
   </p:cSld>
@@ -2763,7 +2763,7 @@
           <p:cNvPr id="2" name="标题占位符 1">
             <a:extLst>
               <a:ext uri="{FF2B5EF4-FFF2-40B4-BE49-F238E27FC236}">
-                <a16:creationId xmlns:a16="http://schemas.microsoft.com/office/drawing/2014/main" id="{24BBFE95-DB44-A7F8-E3F6-B7948FF7EA3F}"/>
+                <a16:creationId xmlns:a16="http://schemas.microsoft.com/office/drawing/2014/main" id="{92222D12-94D7-7E8D-18AD-1F24B8C772C7}"/>
               </a:ext>
             </a:extLst>
           </p:cNvPr>
@@ -2801,7 +2801,7 @@
           <p:cNvPr id="3" name="文本占位符 2">
             <a:extLst>
               <a:ext uri="{FF2B5EF4-FFF2-40B4-BE49-F238E27FC236}">
-                <a16:creationId xmlns:a16="http://schemas.microsoft.com/office/drawing/2014/main" id="{3B0C397B-2B8E-D3BF-EE60-35428CA6E0B8}"/>
+                <a16:creationId xmlns:a16="http://schemas.microsoft.com/office/drawing/2014/main" id="{AA78DDAF-86CB-308C-24BE-98A6699CA661}"/>
               </a:ext>
             </a:extLst>
           </p:cNvPr>
@@ -2868,7 +2868,7 @@
           <p:cNvPr id="4" name="日期占位符 3">
             <a:extLst>
               <a:ext uri="{FF2B5EF4-FFF2-40B4-BE49-F238E27FC236}">
-                <a16:creationId xmlns:a16="http://schemas.microsoft.com/office/drawing/2014/main" id="{C14F65E9-7BCC-0C1D-1A03-8B0CAAEB59AC}"/>
+                <a16:creationId xmlns:a16="http://schemas.microsoft.com/office/drawing/2014/main" id="{ECE94978-4370-E903-1BBF-EB5298589A60}"/>
               </a:ext>
             </a:extLst>
           </p:cNvPr>
@@ -2902,7 +2902,7 @@
             </a:lvl1pPr>
           </a:lstStyle>
           <a:p>
-            <a:fld id="{7AB0C110-5957-4460-B909-DC266FB8D8DC}" type="datetimeFigureOut">
+            <a:fld id="{035EAFEB-B620-4517-83C3-DCCA025375DF}" type="datetimeFigureOut">
               <a:rPr lang="zh-CN" altLang="en-US" smtClean="0"/>
               <a:t>2024/3/10</a:t>
             </a:fld>
@@ -2915,7 +2915,7 @@
           <p:cNvPr id="5" name="页脚占位符 4">
             <a:extLst>
               <a:ext uri="{FF2B5EF4-FFF2-40B4-BE49-F238E27FC236}">
-                <a16:creationId xmlns:a16="http://schemas.microsoft.com/office/drawing/2014/main" id="{3E909752-BEC4-95E2-4261-3C3948AC8C32}"/>
+                <a16:creationId xmlns:a16="http://schemas.microsoft.com/office/drawing/2014/main" id="{0E237749-CB13-A14B-CA5D-EF8C702E7EFB}"/>
               </a:ext>
             </a:extLst>
           </p:cNvPr>
@@ -2958,7 +2958,7 @@
           <p:cNvPr id="6" name="灯片编号占位符 5">
             <a:extLst>
               <a:ext uri="{FF2B5EF4-FFF2-40B4-BE49-F238E27FC236}">
-                <a16:creationId xmlns:a16="http://schemas.microsoft.com/office/drawing/2014/main" id="{F8C125F9-D705-1435-3DAC-189A6D1C9AD3}"/>
+                <a16:creationId xmlns:a16="http://schemas.microsoft.com/office/drawing/2014/main" id="{5873D841-6C17-F9F9-66AA-50526D7BA2F5}"/>
               </a:ext>
             </a:extLst>
           </p:cNvPr>
@@ -2992,7 +2992,7 @@
             </a:lvl1pPr>
           </a:lstStyle>
           <a:p>
-            <a:fld id="{0084D7C8-43EF-4660-B69C-0A313C2BE0F2}" type="slidenum">
+            <a:fld id="{23FE9C29-4068-4435-9BB7-D5FD1D5842BA}" type="slidenum">
               <a:rPr lang="zh-CN" altLang="en-US" smtClean="0"/>
               <a:t>‹#›</a:t>
             </a:fld>
@@ -3003,7 +3003,7 @@
     </p:spTree>
     <p:extLst>
       <p:ext uri="{BB962C8B-B14F-4D97-AF65-F5344CB8AC3E}">
-        <p14:creationId xmlns:p14="http://schemas.microsoft.com/office/powerpoint/2010/main" val="217489438"/>
+        <p14:creationId xmlns:p14="http://schemas.microsoft.com/office/powerpoint/2010/main" val="3153260009"/>
       </p:ext>
     </p:extLst>
   </p:cSld>
@@ -3323,7 +3323,7 @@
       </p:grpSpPr>
       <p:pic>
         <p:nvPicPr>
-          <p:cNvPr id="495618" name="Picture 2" descr="483"/>
+          <p:cNvPr id="496642" name="Picture 2" descr="484"/>
           <p:cNvPicPr>
             <a:picLocks noChangeAspect="1" noChangeArrowheads="1"/>
           </p:cNvPicPr>
@@ -3344,8 +3344,8 @@
         </p:blipFill>
         <p:spPr bwMode="auto">
           <a:xfrm>
-            <a:off x="1524000" y="1"/>
-            <a:ext cx="9144000" cy="6308725"/>
+            <a:off x="1524000" y="0"/>
+            <a:ext cx="9144000" cy="6858000"/>
           </a:xfrm>
           <a:prstGeom prst="rect">
             <a:avLst/>
